--- a/docs/diagrams/LogicComponentSequenceDiagram.pptx
+++ b/docs/diagrams/LogicComponentSequenceDiagram.pptx
@@ -126,10 +126,6 @@
 </p:presentation>
 </file>
 
-<file path=ppt/revisionInfo.xml><?xml version="1.0" encoding="utf-8"?>
-<p1510:revInfo xmlns:a="http://schemas.openxmlformats.org/drawingml/2006/main" xmlns:r="http://schemas.openxmlformats.org/officeDocument/2006/relationships" xmlns:p1510="http://schemas.microsoft.com/office/powerpoint/2015/10/main"/>
-</file>
-
 <file path=ppt/notesMasters/notesMaster1.xml><?xml version="1.0" encoding="utf-8"?>
 <p:notesMaster xmlns:a="http://schemas.openxmlformats.org/drawingml/2006/main" xmlns:r="http://schemas.openxmlformats.org/officeDocument/2006/relationships" xmlns:p="http://schemas.openxmlformats.org/presentationml/2006/main">
   <p:cSld>
@@ -212,7 +208,7 @@
           <a:p>
             <a:fld id="{F5CC4B3F-88C1-4FFA-B1B6-F41C21DC6924}" type="datetimeFigureOut">
               <a:rPr lang="en-US" smtClean="0"/>
-              <a:t>7/11/2017</a:t>
+              <a:t>10/29/18</a:t>
             </a:fld>
             <a:endParaRPr lang="en-US"/>
           </a:p>
@@ -658,7 +654,7 @@
           <a:p>
             <a:fld id="{78C97017-6FC3-485B-9764-EAC9E56C1D49}" type="datetimeFigureOut">
               <a:rPr lang="en-US" smtClean="0"/>
-              <a:t>7/11/2017</a:t>
+              <a:t>10/29/18</a:t>
             </a:fld>
             <a:endParaRPr lang="en-US"/>
           </a:p>
@@ -826,7 +822,7 @@
           <a:p>
             <a:fld id="{78C97017-6FC3-485B-9764-EAC9E56C1D49}" type="datetimeFigureOut">
               <a:rPr lang="en-US" smtClean="0"/>
-              <a:t>7/11/2017</a:t>
+              <a:t>10/29/18</a:t>
             </a:fld>
             <a:endParaRPr lang="en-US"/>
           </a:p>
@@ -1004,7 +1000,7 @@
           <a:p>
             <a:fld id="{78C97017-6FC3-485B-9764-EAC9E56C1D49}" type="datetimeFigureOut">
               <a:rPr lang="en-US" smtClean="0"/>
-              <a:t>7/11/2017</a:t>
+              <a:t>10/29/18</a:t>
             </a:fld>
             <a:endParaRPr lang="en-US"/>
           </a:p>
@@ -1172,7 +1168,7 @@
           <a:p>
             <a:fld id="{78C97017-6FC3-485B-9764-EAC9E56C1D49}" type="datetimeFigureOut">
               <a:rPr lang="en-US" smtClean="0"/>
-              <a:t>7/11/2017</a:t>
+              <a:t>10/29/18</a:t>
             </a:fld>
             <a:endParaRPr lang="en-US"/>
           </a:p>
@@ -1417,7 +1413,7 @@
           <a:p>
             <a:fld id="{78C97017-6FC3-485B-9764-EAC9E56C1D49}" type="datetimeFigureOut">
               <a:rPr lang="en-US" smtClean="0"/>
-              <a:t>7/11/2017</a:t>
+              <a:t>10/29/18</a:t>
             </a:fld>
             <a:endParaRPr lang="en-US"/>
           </a:p>
@@ -1702,7 +1698,7 @@
           <a:p>
             <a:fld id="{78C97017-6FC3-485B-9764-EAC9E56C1D49}" type="datetimeFigureOut">
               <a:rPr lang="en-US" smtClean="0"/>
-              <a:t>7/11/2017</a:t>
+              <a:t>10/29/18</a:t>
             </a:fld>
             <a:endParaRPr lang="en-US"/>
           </a:p>
@@ -2121,7 +2117,7 @@
           <a:p>
             <a:fld id="{78C97017-6FC3-485B-9764-EAC9E56C1D49}" type="datetimeFigureOut">
               <a:rPr lang="en-US" smtClean="0"/>
-              <a:t>7/11/2017</a:t>
+              <a:t>10/29/18</a:t>
             </a:fld>
             <a:endParaRPr lang="en-US"/>
           </a:p>
@@ -2238,7 +2234,7 @@
           <a:p>
             <a:fld id="{78C97017-6FC3-485B-9764-EAC9E56C1D49}" type="datetimeFigureOut">
               <a:rPr lang="en-US" smtClean="0"/>
-              <a:t>7/11/2017</a:t>
+              <a:t>10/29/18</a:t>
             </a:fld>
             <a:endParaRPr lang="en-US"/>
           </a:p>
@@ -2333,7 +2329,7 @@
           <a:p>
             <a:fld id="{78C97017-6FC3-485B-9764-EAC9E56C1D49}" type="datetimeFigureOut">
               <a:rPr lang="en-US" smtClean="0"/>
-              <a:t>7/11/2017</a:t>
+              <a:t>10/29/18</a:t>
             </a:fld>
             <a:endParaRPr lang="en-US"/>
           </a:p>
@@ -2608,7 +2604,7 @@
           <a:p>
             <a:fld id="{78C97017-6FC3-485B-9764-EAC9E56C1D49}" type="datetimeFigureOut">
               <a:rPr lang="en-US" smtClean="0"/>
-              <a:t>7/11/2017</a:t>
+              <a:t>10/29/18</a:t>
             </a:fld>
             <a:endParaRPr lang="en-US"/>
           </a:p>
@@ -2860,7 +2856,7 @@
           <a:p>
             <a:fld id="{78C97017-6FC3-485B-9764-EAC9E56C1D49}" type="datetimeFigureOut">
               <a:rPr lang="en-US" smtClean="0"/>
-              <a:t>7/11/2017</a:t>
+              <a:t>10/29/18</a:t>
             </a:fld>
             <a:endParaRPr lang="en-US"/>
           </a:p>
@@ -3071,7 +3067,7 @@
           <a:p>
             <a:fld id="{78C97017-6FC3-485B-9764-EAC9E56C1D49}" type="datetimeFigureOut">
               <a:rPr lang="en-US" smtClean="0"/>
-              <a:t>7/11/2017</a:t>
+              <a:t>10/29/18</a:t>
             </a:fld>
             <a:endParaRPr lang="en-US"/>
           </a:p>
@@ -3666,8 +3662,8 @@
         </p:nvSpPr>
         <p:spPr>
           <a:xfrm>
-            <a:off x="2743200" y="2179309"/>
-            <a:ext cx="1219200" cy="467684"/>
+            <a:off x="2590800" y="2179309"/>
+            <a:ext cx="1514377" cy="467684"/>
           </a:xfrm>
           <a:prstGeom prst="rect">
             <a:avLst/>
@@ -3707,18 +3703,31 @@
                   <a:schemeClr val="bg1"/>
                 </a:solidFill>
               </a:rPr>
-              <a:t>:Address</a:t>
-            </a:r>
-          </a:p>
-          <a:p>
-            <a:pPr algn="ctr"/>
+              <a:t>:</a:t>
+            </a:r>
             <a:r>
               <a:rPr lang="en-US" sz="1600" dirty="0" err="1">
                 <a:solidFill>
                   <a:schemeClr val="bg1"/>
                 </a:solidFill>
               </a:rPr>
-              <a:t>BookParser</a:t>
+              <a:t>ModulePlanner</a:t>
+            </a:r>
+            <a:endParaRPr lang="en-US" sz="1600" dirty="0">
+              <a:solidFill>
+                <a:schemeClr val="bg1"/>
+              </a:solidFill>
+            </a:endParaRPr>
+          </a:p>
+          <a:p>
+            <a:pPr algn="ctr"/>
+            <a:r>
+              <a:rPr lang="en-US" sz="1600" dirty="0">
+                <a:solidFill>
+                  <a:schemeClr val="bg1"/>
+                </a:solidFill>
+              </a:rPr>
+              <a:t>Parser</a:t>
             </a:r>
             <a:endParaRPr lang="en-SG" sz="1600" dirty="0">
               <a:solidFill>
@@ -4015,13 +4024,15 @@
       <p:cxnSp>
         <p:nvCxnSpPr>
           <p:cNvPr id="25" name="Straight Arrow Connector 24"/>
-          <p:cNvCxnSpPr/>
+          <p:cNvCxnSpPr>
+            <a:cxnSpLocks/>
+          </p:cNvCxnSpPr>
           <p:nvPr/>
         </p:nvCxnSpPr>
         <p:spPr>
-          <a:xfrm flipV="1">
-            <a:off x="1653251" y="3122097"/>
-            <a:ext cx="1596514" cy="1"/>
+          <a:xfrm>
+            <a:off x="1633600" y="3120478"/>
+            <a:ext cx="1651852" cy="1"/>
           </a:xfrm>
           <a:prstGeom prst="straightConnector1">
             <a:avLst/>
@@ -4056,8 +4067,8 @@
         </p:nvSpPr>
         <p:spPr>
           <a:xfrm>
-            <a:off x="0" y="2743200"/>
-            <a:ext cx="1424846" cy="215444"/>
+            <a:off x="99154" y="3122096"/>
+            <a:ext cx="1424846" cy="430887"/>
           </a:xfrm>
           <a:prstGeom prst="rect">
             <a:avLst/>
@@ -4070,14 +4081,25 @@
           </a:bodyPr>
           <a:lstStyle/>
           <a:p>
-            <a:pPr algn="r"/>
+            <a:pPr algn="ctr"/>
             <a:r>
               <a:rPr lang="en-US" sz="1400" dirty="0">
                 <a:solidFill>
                   <a:srgbClr val="0070C0"/>
                 </a:solidFill>
               </a:rPr>
-              <a:t>execute(“delete 1”)</a:t>
+              <a:t>execute(“delete</a:t>
+            </a:r>
+          </a:p>
+          <a:p>
+            <a:pPr algn="ctr"/>
+            <a:r>
+              <a:rPr lang="en-US" sz="1400" dirty="0">
+                <a:solidFill>
+                  <a:srgbClr val="0070C0"/>
+                </a:solidFill>
+              </a:rPr>
+              <a:t>c/CS1010”)</a:t>
             </a:r>
           </a:p>
         </p:txBody>
@@ -4085,13 +4107,15 @@
       <p:cxnSp>
         <p:nvCxnSpPr>
           <p:cNvPr id="28" name="Straight Arrow Connector 27"/>
-          <p:cNvCxnSpPr/>
+          <p:cNvCxnSpPr>
+            <a:cxnSpLocks/>
+          </p:cNvCxnSpPr>
           <p:nvPr/>
         </p:nvCxnSpPr>
         <p:spPr>
-          <a:xfrm flipV="1">
-            <a:off x="5257218" y="3703214"/>
-            <a:ext cx="922392" cy="1"/>
+          <a:xfrm>
+            <a:off x="5257218" y="3703216"/>
+            <a:ext cx="964347" cy="2861"/>
           </a:xfrm>
           <a:prstGeom prst="straightConnector1">
             <a:avLst/>
@@ -4671,7 +4695,7 @@
                   <a:srgbClr val="7030A0"/>
                 </a:solidFill>
               </a:rPr>
-              <a:t>deletePerson</a:t>
+              <a:t>deleteModules</a:t>
             </a:r>
             <a:r>
               <a:rPr lang="en-US" dirty="0">
@@ -4679,7 +4703,7 @@
                   <a:srgbClr val="7030A0"/>
                 </a:solidFill>
               </a:rPr>
-              <a:t>(p)</a:t>
+              <a:t>(m)</a:t>
             </a:r>
           </a:p>
         </p:txBody>
@@ -4692,8 +4716,8 @@
         </p:nvSpPr>
         <p:spPr>
           <a:xfrm>
-            <a:off x="3847551" y="3657600"/>
-            <a:ext cx="767033" cy="184666"/>
+            <a:off x="3690686" y="3657600"/>
+            <a:ext cx="1186114" cy="184666"/>
           </a:xfrm>
           <a:prstGeom prst="rect">
             <a:avLst/>
@@ -4719,7 +4743,7 @@
           <a:p>
             <a:r>
               <a:rPr lang="en-US" sz="1200" dirty="0"/>
-              <a:t>parse(“1”)</a:t>
+              <a:t>parse(“c/CS1010”)</a:t>
             </a:r>
           </a:p>
         </p:txBody>
@@ -4732,8 +4756,8 @@
         </p:nvSpPr>
         <p:spPr>
           <a:xfrm>
-            <a:off x="1742982" y="2850922"/>
-            <a:ext cx="1424846" cy="215444"/>
+            <a:off x="1756822" y="3178043"/>
+            <a:ext cx="1424846" cy="430887"/>
           </a:xfrm>
           <a:prstGeom prst="rect">
             <a:avLst/>
@@ -4757,9 +4781,17 @@
             </a:lvl1pPr>
           </a:lstStyle>
           <a:p>
+            <a:pPr algn="ctr"/>
             <a:r>
               <a:rPr lang="en-US" dirty="0"/>
-              <a:t>parse(“delete 1”)</a:t>
+              <a:t>parse(“delete</a:t>
+            </a:r>
+          </a:p>
+          <a:p>
+            <a:pPr algn="ctr"/>
+            <a:r>
+              <a:rPr lang="en-US" dirty="0"/>
+              <a:t>c/CS1010”)</a:t>
             </a:r>
           </a:p>
         </p:txBody>
@@ -5289,13 +5321,15 @@
       <p:cxnSp>
         <p:nvCxnSpPr>
           <p:cNvPr id="51" name="Straight Arrow Connector 50"/>
-          <p:cNvCxnSpPr/>
+          <p:cNvCxnSpPr>
+            <a:cxnSpLocks/>
+          </p:cNvCxnSpPr>
           <p:nvPr/>
         </p:nvCxnSpPr>
         <p:spPr>
           <a:xfrm>
-            <a:off x="3499382" y="4185073"/>
-            <a:ext cx="1667219" cy="0"/>
+            <a:off x="3459519" y="4185073"/>
+            <a:ext cx="1707082" cy="0"/>
           </a:xfrm>
           <a:prstGeom prst="straightConnector1">
             <a:avLst/>
